--- a/D3 Live Session.pptx
+++ b/D3 Live Session.pptx
@@ -12,6 +12,7 @@
     <p:sldId id="261" r:id="rId6"/>
     <p:sldId id="258" r:id="rId7"/>
     <p:sldId id="259" r:id="rId8"/>
+    <p:sldId id="263" r:id="rId9"/>
   </p:sldIdLst>
   <p:sldSz cx="12192000" cy="6858000"/>
   <p:notesSz cx="6858000" cy="9144000"/>
@@ -110,6 +111,11 @@
       </a:defRPr>
     </a:lvl9pPr>
   </p:defaultTextStyle>
+  <p:extLst>
+    <p:ext uri="{EFAFB233-063F-42B5-8137-9DF3F51BA10A}">
+      <p15:sldGuideLst xmlns:p15="http://schemas.microsoft.com/office/powerpoint/2012/main"/>
+    </p:ext>
+  </p:extLst>
 </p:presentation>
 </file>
 
@@ -252,7 +258,7 @@
           <a:p>
             <a:fld id="{6E07DFFE-870D-4C0E-B4B5-6555B5AC211C}" type="datetimeFigureOut">
               <a:rPr lang="en-US" smtClean="0"/>
-              <a:t>9/14/2021</a:t>
+              <a:t>9/15/2021</a:t>
             </a:fld>
             <a:endParaRPr lang="en-US"/>
           </a:p>
@@ -463,7 +469,7 @@
           <a:p>
             <a:fld id="{6E07DFFE-870D-4C0E-B4B5-6555B5AC211C}" type="datetimeFigureOut">
               <a:rPr lang="en-US" smtClean="0"/>
-              <a:t>9/14/2021</a:t>
+              <a:t>9/15/2021</a:t>
             </a:fld>
             <a:endParaRPr lang="en-US"/>
           </a:p>
@@ -678,7 +684,7 @@
           <a:p>
             <a:fld id="{6E07DFFE-870D-4C0E-B4B5-6555B5AC211C}" type="datetimeFigureOut">
               <a:rPr lang="en-US" smtClean="0"/>
-              <a:t>9/14/2021</a:t>
+              <a:t>9/15/2021</a:t>
             </a:fld>
             <a:endParaRPr lang="en-US"/>
           </a:p>
@@ -879,7 +885,7 @@
           <a:p>
             <a:fld id="{6E07DFFE-870D-4C0E-B4B5-6555B5AC211C}" type="datetimeFigureOut">
               <a:rPr lang="en-US" smtClean="0"/>
-              <a:t>9/14/2021</a:t>
+              <a:t>9/15/2021</a:t>
             </a:fld>
             <a:endParaRPr lang="en-US"/>
           </a:p>
@@ -1158,7 +1164,7 @@
           <a:p>
             <a:fld id="{6E07DFFE-870D-4C0E-B4B5-6555B5AC211C}" type="datetimeFigureOut">
               <a:rPr lang="en-US" smtClean="0"/>
-              <a:t>9/14/2021</a:t>
+              <a:t>9/15/2021</a:t>
             </a:fld>
             <a:endParaRPr lang="en-US"/>
           </a:p>
@@ -1426,7 +1432,7 @@
           <a:p>
             <a:fld id="{6E07DFFE-870D-4C0E-B4B5-6555B5AC211C}" type="datetimeFigureOut">
               <a:rPr lang="en-US" smtClean="0"/>
-              <a:t>9/14/2021</a:t>
+              <a:t>9/15/2021</a:t>
             </a:fld>
             <a:endParaRPr lang="en-US"/>
           </a:p>
@@ -1842,7 +1848,7 @@
           <a:p>
             <a:fld id="{6E07DFFE-870D-4C0E-B4B5-6555B5AC211C}" type="datetimeFigureOut">
               <a:rPr lang="en-US" smtClean="0"/>
-              <a:t>9/14/2021</a:t>
+              <a:t>9/15/2021</a:t>
             </a:fld>
             <a:endParaRPr lang="en-US"/>
           </a:p>
@@ -1991,7 +1997,7 @@
           <a:p>
             <a:fld id="{6E07DFFE-870D-4C0E-B4B5-6555B5AC211C}" type="datetimeFigureOut">
               <a:rPr lang="en-US" smtClean="0"/>
-              <a:t>9/14/2021</a:t>
+              <a:t>9/15/2021</a:t>
             </a:fld>
             <a:endParaRPr lang="en-US"/>
           </a:p>
@@ -2117,7 +2123,7 @@
           <a:p>
             <a:fld id="{6E07DFFE-870D-4C0E-B4B5-6555B5AC211C}" type="datetimeFigureOut">
               <a:rPr lang="en-US" smtClean="0"/>
-              <a:t>9/14/2021</a:t>
+              <a:t>9/15/2021</a:t>
             </a:fld>
             <a:endParaRPr lang="en-US"/>
           </a:p>
@@ -2368,7 +2374,7 @@
           <a:p>
             <a:fld id="{6E07DFFE-870D-4C0E-B4B5-6555B5AC211C}" type="datetimeFigureOut">
               <a:rPr lang="en-US" smtClean="0"/>
-              <a:t>9/14/2021</a:t>
+              <a:t>9/15/2021</a:t>
             </a:fld>
             <a:endParaRPr lang="en-US"/>
           </a:p>
@@ -2813,7 +2819,7 @@
           <a:p>
             <a:fld id="{6E07DFFE-870D-4C0E-B4B5-6555B5AC211C}" type="datetimeFigureOut">
               <a:rPr lang="en-US" smtClean="0"/>
-              <a:t>9/14/2021</a:t>
+              <a:t>9/15/2021</a:t>
             </a:fld>
             <a:endParaRPr lang="en-US"/>
           </a:p>
@@ -3139,7 +3145,7 @@
           <a:p>
             <a:fld id="{6E07DFFE-870D-4C0E-B4B5-6555B5AC211C}" type="datetimeFigureOut">
               <a:rPr lang="en-US" smtClean="0"/>
-              <a:t>9/14/2021</a:t>
+              <a:t>9/15/2021</a:t>
             </a:fld>
             <a:endParaRPr lang="en-US"/>
           </a:p>
@@ -3928,13 +3934,14 @@
           <a:p>
             <a:r>
               <a:rPr lang="en-US" dirty="0"/>
-              <a:t>Will post the further instructions on piazza after I push the code to git</a:t>
-            </a:r>
-          </a:p>
-          <a:p>
-            <a:pPr marL="0" indent="0">
-              <a:buNone/>
-            </a:pPr>
+              <a:t>execute the following command in your folder</a:t>
+            </a:r>
+          </a:p>
+          <a:p>
+            <a:r>
+              <a:rPr lang="en-IN" dirty="0"/>
+              <a:t>git clone https://github.com/Vineeth-Avvaru/CSE332_Sample_Code.git</a:t>
+            </a:r>
             <a:endParaRPr lang="en-US" dirty="0"/>
           </a:p>
         </p:txBody>
@@ -4570,6 +4577,95 @@
     <p:extLst>
       <p:ext uri="{BB962C8B-B14F-4D97-AF65-F5344CB8AC3E}">
         <p14:creationId xmlns:p14="http://schemas.microsoft.com/office/powerpoint/2010/main" val="3816913523"/>
+      </p:ext>
+    </p:extLst>
+  </p:cSld>
+  <p:clrMapOvr>
+    <a:masterClrMapping/>
+  </p:clrMapOvr>
+</p:sld>
+</file>
+
+<file path=ppt/slides/slide8.xml><?xml version="1.0" encoding="utf-8"?>
+<p:sld xmlns:a="http://schemas.openxmlformats.org/drawingml/2006/main" xmlns:r="http://schemas.openxmlformats.org/officeDocument/2006/relationships" xmlns:p="http://schemas.openxmlformats.org/presentationml/2006/main">
+  <p:cSld>
+    <p:spTree>
+      <p:nvGrpSpPr>
+        <p:cNvPr id="1" name=""/>
+        <p:cNvGrpSpPr/>
+        <p:nvPr/>
+      </p:nvGrpSpPr>
+      <p:grpSpPr>
+        <a:xfrm>
+          <a:off x="0" y="0"/>
+          <a:ext cx="0" cy="0"/>
+          <a:chOff x="0" y="0"/>
+          <a:chExt cx="0" cy="0"/>
+        </a:xfrm>
+      </p:grpSpPr>
+      <p:sp>
+        <p:nvSpPr>
+          <p:cNvPr id="2" name="Title 1">
+            <a:extLst>
+              <a:ext uri="{FF2B5EF4-FFF2-40B4-BE49-F238E27FC236}">
+                <a16:creationId xmlns:a16="http://schemas.microsoft.com/office/drawing/2014/main" id="{591C20F0-34CF-4AB4-90FA-FAEA0E926E9C}"/>
+              </a:ext>
+            </a:extLst>
+          </p:cNvPr>
+          <p:cNvSpPr>
+            <a:spLocks noGrp="1"/>
+          </p:cNvSpPr>
+          <p:nvPr>
+            <p:ph type="title"/>
+          </p:nvPr>
+        </p:nvSpPr>
+        <p:spPr/>
+        <p:txBody>
+          <a:bodyPr/>
+          <a:lstStyle/>
+          <a:p>
+            <a:r>
+              <a:rPr lang="en-IN" dirty="0"/>
+              <a:t>Debugging with chrome</a:t>
+            </a:r>
+          </a:p>
+        </p:txBody>
+      </p:sp>
+      <p:sp>
+        <p:nvSpPr>
+          <p:cNvPr id="3" name="Content Placeholder 2">
+            <a:extLst>
+              <a:ext uri="{FF2B5EF4-FFF2-40B4-BE49-F238E27FC236}">
+                <a16:creationId xmlns:a16="http://schemas.microsoft.com/office/drawing/2014/main" id="{EED89EC6-100B-41A2-A497-A5FAAE34E47D}"/>
+              </a:ext>
+            </a:extLst>
+          </p:cNvPr>
+          <p:cNvSpPr>
+            <a:spLocks noGrp="1"/>
+          </p:cNvSpPr>
+          <p:nvPr>
+            <p:ph idx="1"/>
+          </p:nvPr>
+        </p:nvSpPr>
+        <p:spPr/>
+        <p:txBody>
+          <a:bodyPr/>
+          <a:lstStyle/>
+          <a:p>
+            <a:pPr marL="0" indent="0">
+              <a:buNone/>
+            </a:pPr>
+            <a:r>
+              <a:rPr lang="en-IN" dirty="0"/>
+              <a:t>https://www.youtube.com/watch?v=H0XScE08hy8</a:t>
+            </a:r>
+          </a:p>
+        </p:txBody>
+      </p:sp>
+    </p:spTree>
+    <p:extLst>
+      <p:ext uri="{BB962C8B-B14F-4D97-AF65-F5344CB8AC3E}">
+        <p14:creationId xmlns:p14="http://schemas.microsoft.com/office/powerpoint/2010/main" val="753749776"/>
       </p:ext>
     </p:extLst>
   </p:cSld>
